--- a/Lessons/H_Equities_CreditModeling/B_ConsumerCredit.pptx
+++ b/Lessons/H_Equities_CreditModeling/B_ConsumerCredit.pptx
@@ -5,7 +5,7 @@
     <p:sldMasterId id="2147483660" r:id="rId1"/>
   </p:sldMasterIdLst>
   <p:notesMasterIdLst>
-    <p:notesMasterId r:id="rId16"/>
+    <p:notesMasterId r:id="rId15"/>
   </p:notesMasterIdLst>
   <p:sldIdLst>
     <p:sldId id="297" r:id="rId2"/>
@@ -18,10 +18,9 @@
     <p:sldId id="416" r:id="rId9"/>
     <p:sldId id="420" r:id="rId10"/>
     <p:sldId id="417" r:id="rId11"/>
-    <p:sldId id="511" r:id="rId12"/>
-    <p:sldId id="446" r:id="rId13"/>
-    <p:sldId id="512" r:id="rId14"/>
-    <p:sldId id="517" r:id="rId15"/>
+    <p:sldId id="446" r:id="rId12"/>
+    <p:sldId id="512" r:id="rId13"/>
+    <p:sldId id="517" r:id="rId14"/>
   </p:sldIdLst>
   <p:sldSz cx="9144000" cy="6858000" type="screen4x3"/>
   <p:notesSz cx="6858000" cy="9144000"/>
@@ -221,7 +220,7 @@
           <a:p>
             <a:fld id="{B0C0A60C-850A-4EA4-9C14-A8FE98B94505}" type="datetimeFigureOut">
               <a:rPr lang="en-US" smtClean="0"/>
-              <a:t>10/29/23</a:t>
+              <a:t>11/6/23</a:t>
             </a:fld>
             <a:endParaRPr lang="en-US"/>
           </a:p>
@@ -718,7 +717,7 @@
           <a:p>
             <a:fld id="{5738B90E-0779-4C36-915C-6F05FCD89456}" type="datetime1">
               <a:rPr lang="en-US" smtClean="0"/>
-              <a:t>10/29/23</a:t>
+              <a:t>11/6/23</a:t>
             </a:fld>
             <a:endParaRPr lang="en-US"/>
           </a:p>
@@ -828,7 +827,7 @@
           <a:p>
             <a:r>
               <a:rPr lang="en-US" dirty="0"/>
-              <a:t>Kwartler CSCI S-96</a:t>
+              <a:t>Kwartler </a:t>
             </a:r>
           </a:p>
         </p:txBody>
@@ -936,7 +935,7 @@
           <a:p>
             <a:fld id="{7B9EA29D-D431-42FE-B7B6-AAE4454C77D3}" type="datetime1">
               <a:rPr lang="en-US" smtClean="0"/>
-              <a:t>10/29/23</a:t>
+              <a:t>11/6/23</a:t>
             </a:fld>
             <a:endParaRPr lang="en-US"/>
           </a:p>
@@ -958,8 +957,8 @@
           <a:lstStyle/>
           <a:p>
             <a:r>
-              <a:rPr lang="en-US"/>
-              <a:t>Kwartler CSCI S-96</a:t>
+              <a:rPr lang="en-US" dirty="0"/>
+              <a:t>Kwartler </a:t>
             </a:r>
           </a:p>
         </p:txBody>
@@ -1196,7 +1195,7 @@
           <a:p>
             <a:fld id="{690D8A1E-EA8F-46C1-B891-AE0C00D9C314}" type="datetime1">
               <a:rPr lang="en-US" smtClean="0"/>
-              <a:t>10/29/23</a:t>
+              <a:t>11/6/23</a:t>
             </a:fld>
             <a:endParaRPr lang="en-US"/>
           </a:p>
@@ -1352,7 +1351,7 @@
           <a:p>
             <a:r>
               <a:rPr lang="en-US" dirty="0"/>
-              <a:t>Kwartler CSCI S-96</a:t>
+              <a:t>Kwartler </a:t>
             </a:r>
           </a:p>
         </p:txBody>
@@ -1712,7 +1711,7 @@
           <a:p>
             <a:fld id="{DAB365D0-5BFF-4591-B84D-8953AC9A16AD}" type="datetime1">
               <a:rPr lang="en-US" smtClean="0"/>
-              <a:t>10/29/23</a:t>
+              <a:t>11/6/23</a:t>
             </a:fld>
             <a:endParaRPr lang="en-US" dirty="0"/>
           </a:p>
@@ -1946,7 +1945,7 @@
           <a:p>
             <a:fld id="{D753EFC8-4232-4598-94F6-94C0EBAFC469}" type="datetime1">
               <a:rPr lang="en-US" smtClean="0"/>
-              <a:t>10/29/23</a:t>
+              <a:t>11/6/23</a:t>
             </a:fld>
             <a:endParaRPr lang="en-US"/>
           </a:p>
@@ -2056,7 +2055,7 @@
           <a:p>
             <a:r>
               <a:rPr lang="en-US" dirty="0"/>
-              <a:t>Kwartler CSCI S-96</a:t>
+              <a:t>Kwartler </a:t>
             </a:r>
           </a:p>
         </p:txBody>
@@ -2261,7 +2260,7 @@
           <a:p>
             <a:fld id="{F3161074-1C18-4AE7-957D-F18524378C85}" type="datetime1">
               <a:rPr lang="en-US" smtClean="0"/>
-              <a:t>10/29/23</a:t>
+              <a:t>11/6/23</a:t>
             </a:fld>
             <a:endParaRPr lang="en-US"/>
           </a:p>
@@ -2371,7 +2370,7 @@
           <a:p>
             <a:r>
               <a:rPr lang="en-US" dirty="0"/>
-              <a:t>Kwartler CSCI S-96</a:t>
+              <a:t>Kwartler </a:t>
             </a:r>
           </a:p>
         </p:txBody>
@@ -2535,7 +2534,7 @@
           <a:p>
             <a:fld id="{69BE256C-8D9A-4404-B47D-41A1AE514425}" type="datetime1">
               <a:rPr lang="en-US" smtClean="0"/>
-              <a:t>10/29/23</a:t>
+              <a:t>11/6/23</a:t>
             </a:fld>
             <a:endParaRPr lang="en-US"/>
           </a:p>
@@ -2675,7 +2674,7 @@
           <a:p>
             <a:r>
               <a:rPr lang="en-US" dirty="0"/>
-              <a:t>Kwartler CSCI S-96</a:t>
+              <a:t>Kwartler </a:t>
             </a:r>
           </a:p>
         </p:txBody>
@@ -2969,7 +2968,7 @@
           <a:p>
             <a:fld id="{66CB2154-9035-4012-8189-BAAB61C5A5EE}" type="datetime1">
               <a:rPr lang="en-US" smtClean="0"/>
-              <a:t>10/29/23</a:t>
+              <a:t>11/6/23</a:t>
             </a:fld>
             <a:endParaRPr lang="en-US"/>
           </a:p>
@@ -2991,8 +2990,8 @@
           <a:lstStyle/>
           <a:p>
             <a:r>
-              <a:rPr lang="en-US"/>
-              <a:t>Kwartler CSCI S-96</a:t>
+              <a:rPr lang="en-US" dirty="0"/>
+              <a:t>Kwartler </a:t>
             </a:r>
           </a:p>
         </p:txBody>
@@ -3143,7 +3142,7 @@
           <a:p>
             <a:fld id="{6700A58B-DD98-43D0-B791-721480A02982}" type="datetime1">
               <a:rPr lang="en-US" smtClean="0"/>
-              <a:t>10/29/23</a:t>
+              <a:t>11/6/23</a:t>
             </a:fld>
             <a:endParaRPr lang="en-US"/>
           </a:p>
@@ -3283,7 +3282,7 @@
           <a:p>
             <a:r>
               <a:rPr lang="en-US" dirty="0"/>
-              <a:t>Kwartler CSCI S-96</a:t>
+              <a:t>Kwartler </a:t>
             </a:r>
           </a:p>
         </p:txBody>
@@ -3335,7 +3334,7 @@
           <a:p>
             <a:fld id="{7DB6E382-4F61-4E24-BE1A-377EC83D0E3A}" type="datetime1">
               <a:rPr lang="en-US" smtClean="0"/>
-              <a:t>10/29/23</a:t>
+              <a:t>11/6/23</a:t>
             </a:fld>
             <a:endParaRPr lang="en-US"/>
           </a:p>
@@ -3445,7 +3444,7 @@
           <a:p>
             <a:r>
               <a:rPr lang="en-US" dirty="0"/>
-              <a:t>Kwartler CSCI S-96</a:t>
+              <a:t>Kwartler </a:t>
             </a:r>
           </a:p>
         </p:txBody>
@@ -3646,7 +3645,7 @@
           <a:p>
             <a:fld id="{4142EED6-FC16-45B9-B8C4-2BC5DBA88325}" type="datetime1">
               <a:rPr lang="en-US" smtClean="0"/>
-              <a:t>10/29/23</a:t>
+              <a:t>11/6/23</a:t>
             </a:fld>
             <a:endParaRPr lang="en-US"/>
           </a:p>
@@ -3786,7 +3785,7 @@
           <a:p>
             <a:r>
               <a:rPr lang="en-US" dirty="0"/>
-              <a:t>Kwartler CSCI S-96</a:t>
+              <a:t>Kwartler </a:t>
             </a:r>
           </a:p>
         </p:txBody>
@@ -3964,7 +3963,7 @@
           <a:p>
             <a:fld id="{DF59512B-4F1D-43D7-8819-2F53FEF69650}" type="datetime1">
               <a:rPr lang="en-US" smtClean="0"/>
-              <a:t>10/29/23</a:t>
+              <a:t>11/6/23</a:t>
             </a:fld>
             <a:endParaRPr lang="en-US"/>
           </a:p>
@@ -4104,7 +4103,7 @@
           <a:p>
             <a:r>
               <a:rPr lang="en-US" dirty="0"/>
-              <a:t>Kwartler CSCI S-96</a:t>
+              <a:t>Kwartler </a:t>
             </a:r>
           </a:p>
         </p:txBody>
@@ -4240,7 +4239,7 @@
           <a:p>
             <a:fld id="{08437B94-E2BF-44DC-ADC5-B05FC9934E9D}" type="datetime1">
               <a:rPr lang="en-US" smtClean="0"/>
-              <a:t>10/29/23</a:t>
+              <a:t>11/6/23</a:t>
             </a:fld>
             <a:endParaRPr lang="en-US"/>
           </a:p>
@@ -4281,7 +4280,7 @@
           <a:p>
             <a:r>
               <a:rPr lang="en-US" dirty="0"/>
-              <a:t>Kwartler CSCI S-96</a:t>
+              <a:t>Kwartler </a:t>
             </a:r>
           </a:p>
         </p:txBody>
@@ -4766,7 +4765,7 @@
           <a:p>
             <a:fld id="{5738B90E-0779-4C36-915C-6F05FCD89456}" type="datetime1">
               <a:rPr lang="en-US" smtClean="0"/>
-              <a:t>10/29/23</a:t>
+              <a:t>11/6/23</a:t>
             </a:fld>
             <a:endParaRPr lang="en-US"/>
           </a:p>
@@ -4824,7 +4823,7 @@
           <a:p>
             <a:r>
               <a:rPr lang="en-US" dirty="0"/>
-              <a:t>Kwartler CSCI 96</a:t>
+              <a:t>Kwartler </a:t>
             </a:r>
           </a:p>
         </p:txBody>
@@ -4905,7 +4904,7 @@
           <a:p>
             <a:fld id="{6700A58B-DD98-43D0-B791-721480A02982}" type="datetime1">
               <a:rPr lang="en-US" smtClean="0"/>
-              <a:t>10/29/23</a:t>
+              <a:t>11/6/23</a:t>
             </a:fld>
             <a:endParaRPr lang="en-US"/>
           </a:p>
@@ -5008,7 +5007,7 @@
           <a:p>
             <a:r>
               <a:rPr lang="en-US" dirty="0"/>
-              <a:t>Kwartler CSCI 96</a:t>
+              <a:t>Kwartler </a:t>
             </a:r>
           </a:p>
         </p:txBody>
@@ -5045,413 +5044,6 @@
       </p:grpSpPr>
       <p:sp>
         <p:nvSpPr>
-          <p:cNvPr id="2" name="Title 1"/>
-          <p:cNvSpPr>
-            <a:spLocks noGrp="1"/>
-          </p:cNvSpPr>
-          <p:nvPr>
-            <p:ph type="title"/>
-          </p:nvPr>
-        </p:nvSpPr>
-        <p:spPr/>
-        <p:txBody>
-          <a:bodyPr>
-            <a:normAutofit/>
-          </a:bodyPr>
-          <a:lstStyle/>
-          <a:p>
-            <a:r>
-              <a:rPr lang="en-US" dirty="0"/>
-              <a:t>Agenda</a:t>
-            </a:r>
-          </a:p>
-        </p:txBody>
-      </p:sp>
-      <p:graphicFrame>
-        <p:nvGraphicFramePr>
-          <p:cNvPr id="4" name="Content Placeholder 3"/>
-          <p:cNvGraphicFramePr>
-            <a:graphicFrameLocks noGrp="1"/>
-          </p:cNvGraphicFramePr>
-          <p:nvPr>
-            <p:ph idx="1"/>
-          </p:nvPr>
-        </p:nvGraphicFramePr>
-        <p:xfrm>
-          <a:off x="2392812" y="1690688"/>
-          <a:ext cx="4358381" cy="1859280"/>
-        </p:xfrm>
-        <a:graphic>
-          <a:graphicData uri="http://schemas.openxmlformats.org/drawingml/2006/table">
-            <a:tbl>
-              <a:tblPr firstRow="1" bandRow="1">
-                <a:tableStyleId>{F5AB1C69-6EDB-4FF4-983F-18BD219EF322}</a:tableStyleId>
-              </a:tblPr>
-              <a:tblGrid>
-                <a:gridCol w="4358381">
-                  <a:extLst>
-                    <a:ext uri="{9D8B030D-6E8A-4147-A177-3AD203B41FA5}">
-                      <a16:colId xmlns:a16="http://schemas.microsoft.com/office/drawing/2014/main" val="20002"/>
-                    </a:ext>
-                  </a:extLst>
-                </a:gridCol>
-              </a:tblGrid>
-              <a:tr h="297180">
-                <a:tc>
-                  <a:txBody>
-                    <a:bodyPr/>
-                    <a:lstStyle/>
-                    <a:p>
-                      <a:r>
-                        <a:rPr lang="en-US" sz="1500" b="0" strike="noStrike" dirty="0">
-                          <a:solidFill>
-                            <a:schemeClr val="bg1"/>
-                          </a:solidFill>
-                        </a:rPr>
-                        <a:t>Topic VI</a:t>
-                      </a:r>
-                    </a:p>
-                  </a:txBody>
-                  <a:tcPr marL="68580" marR="68580" marT="34290" marB="34290"/>
-                </a:tc>
-                <a:extLst>
-                  <a:ext uri="{0D108BD9-81ED-4DB2-BD59-A6C34878D82A}">
-                    <a16:rowId xmlns:a16="http://schemas.microsoft.com/office/drawing/2014/main" val="10000"/>
-                  </a:ext>
-                </a:extLst>
-              </a:tr>
-              <a:tr h="1508760">
-                <a:tc>
-                  <a:txBody>
-                    <a:bodyPr/>
-                    <a:lstStyle/>
-                    <a:p>
-                      <a:pPr marL="0" marR="0" lvl="0" indent="0" algn="l" defTabSz="914400" rtl="0" eaLnBrk="1" fontAlgn="auto" latinLnBrk="0" hangingPunct="1">
-                        <a:lnSpc>
-                          <a:spcPct val="100000"/>
-                        </a:lnSpc>
-                        <a:spcBef>
-                          <a:spcPts val="0"/>
-                        </a:spcBef>
-                        <a:spcAft>
-                          <a:spcPts val="0"/>
-                        </a:spcAft>
-                        <a:buClrTx/>
-                        <a:buSzTx/>
-                        <a:buFontTx/>
-                        <a:buNone/>
-                        <a:tabLst/>
-                        <a:defRPr/>
-                      </a:pPr>
-                      <a:r>
-                        <a:rPr lang="en-US" sz="1400" b="1" i="0" kern="1200" dirty="0">
-                          <a:solidFill>
-                            <a:schemeClr val="dk1"/>
-                          </a:solidFill>
-                          <a:effectLst/>
-                          <a:latin typeface="+mn-lt"/>
-                          <a:ea typeface="+mn-ea"/>
-                          <a:cs typeface="+mn-cs"/>
-                        </a:rPr>
-                        <a:t>Predicting Loan</a:t>
-                      </a:r>
-                      <a:r>
-                        <a:rPr lang="en-US" sz="1400" b="1" i="0" kern="1200" baseline="0" dirty="0">
-                          <a:solidFill>
-                            <a:schemeClr val="dk1"/>
-                          </a:solidFill>
-                          <a:effectLst/>
-                          <a:latin typeface="+mn-lt"/>
-                          <a:ea typeface="+mn-ea"/>
-                          <a:cs typeface="+mn-cs"/>
-                        </a:rPr>
-                        <a:t> Defaults</a:t>
-                      </a:r>
-                    </a:p>
-                    <a:p>
-                      <a:pPr marL="285750" marR="0" lvl="0" indent="-285750" algn="l" defTabSz="914400" rtl="0" eaLnBrk="1" fontAlgn="auto" latinLnBrk="0" hangingPunct="1">
-                        <a:lnSpc>
-                          <a:spcPct val="100000"/>
-                        </a:lnSpc>
-                        <a:spcBef>
-                          <a:spcPts val="0"/>
-                        </a:spcBef>
-                        <a:spcAft>
-                          <a:spcPts val="0"/>
-                        </a:spcAft>
-                        <a:buClrTx/>
-                        <a:buSzTx/>
-                        <a:buFont typeface="Arial" panose="020B0604020202020204" pitchFamily="34" charset="0"/>
-                        <a:buChar char="•"/>
-                        <a:tabLst/>
-                        <a:defRPr/>
-                      </a:pPr>
-                      <a:r>
-                        <a:rPr lang="en-US" sz="1400" b="0" i="0" kern="1200" baseline="0" dirty="0">
-                          <a:solidFill>
-                            <a:schemeClr val="dk1"/>
-                          </a:solidFill>
-                          <a:effectLst/>
-                          <a:latin typeface="+mn-lt"/>
-                          <a:ea typeface="+mn-ea"/>
-                          <a:cs typeface="+mn-cs"/>
-                        </a:rPr>
-                        <a:t>Lending Club Information</a:t>
-                      </a:r>
-                    </a:p>
-                    <a:p>
-                      <a:pPr marL="285750" marR="0" lvl="0" indent="-285750" algn="l" defTabSz="914400" rtl="0" eaLnBrk="1" fontAlgn="auto" latinLnBrk="0" hangingPunct="1">
-                        <a:lnSpc>
-                          <a:spcPct val="100000"/>
-                        </a:lnSpc>
-                        <a:spcBef>
-                          <a:spcPts val="0"/>
-                        </a:spcBef>
-                        <a:spcAft>
-                          <a:spcPts val="0"/>
-                        </a:spcAft>
-                        <a:buClrTx/>
-                        <a:buSzTx/>
-                        <a:buFont typeface="Arial" panose="020B0604020202020204" pitchFamily="34" charset="0"/>
-                        <a:buChar char="•"/>
-                        <a:tabLst/>
-                        <a:defRPr/>
-                      </a:pPr>
-                      <a:r>
-                        <a:rPr lang="en-US" sz="1400" b="0" i="0" kern="1200" baseline="0" dirty="0">
-                          <a:solidFill>
-                            <a:schemeClr val="dk1"/>
-                          </a:solidFill>
-                          <a:effectLst/>
-                          <a:latin typeface="+mn-lt"/>
-                          <a:ea typeface="+mn-ea"/>
-                          <a:cs typeface="+mn-cs"/>
-                        </a:rPr>
-                        <a:t>Fit a model to the loan data &amp; save as an example</a:t>
-                      </a:r>
-                    </a:p>
-                    <a:p>
-                      <a:pPr marL="285750" marR="0" lvl="0" indent="-285750" algn="l" defTabSz="914400" rtl="0" eaLnBrk="1" fontAlgn="auto" latinLnBrk="0" hangingPunct="1">
-                        <a:lnSpc>
-                          <a:spcPct val="100000"/>
-                        </a:lnSpc>
-                        <a:spcBef>
-                          <a:spcPts val="0"/>
-                        </a:spcBef>
-                        <a:spcAft>
-                          <a:spcPts val="0"/>
-                        </a:spcAft>
-                        <a:buClrTx/>
-                        <a:buSzTx/>
-                        <a:buFont typeface="Arial" panose="020B0604020202020204" pitchFamily="34" charset="0"/>
-                        <a:buChar char="•"/>
-                        <a:tabLst/>
-                        <a:defRPr/>
-                      </a:pPr>
-                      <a:r>
-                        <a:rPr lang="en-US" sz="1400" b="0" i="0" kern="1200" baseline="0" dirty="0">
-                          <a:solidFill>
-                            <a:schemeClr val="dk1"/>
-                          </a:solidFill>
-                          <a:effectLst/>
-                          <a:latin typeface="+mn-lt"/>
-                          <a:ea typeface="+mn-ea"/>
-                          <a:cs typeface="+mn-cs"/>
-                        </a:rPr>
-                        <a:t>Fit a more validated model with new loans</a:t>
-                      </a:r>
-                    </a:p>
-                    <a:p>
-                      <a:pPr marL="285750" marR="0" lvl="0" indent="-285750" algn="l" defTabSz="914400" rtl="0" eaLnBrk="1" fontAlgn="auto" latinLnBrk="0" hangingPunct="1">
-                        <a:lnSpc>
-                          <a:spcPct val="100000"/>
-                        </a:lnSpc>
-                        <a:spcBef>
-                          <a:spcPts val="0"/>
-                        </a:spcBef>
-                        <a:spcAft>
-                          <a:spcPts val="0"/>
-                        </a:spcAft>
-                        <a:buClrTx/>
-                        <a:buSzTx/>
-                        <a:buFont typeface="Arial" panose="020B0604020202020204" pitchFamily="34" charset="0"/>
-                        <a:buChar char="•"/>
-                        <a:tabLst/>
-                        <a:defRPr/>
-                      </a:pPr>
-                      <a:r>
-                        <a:rPr lang="en-US" sz="1400" b="0" i="0" kern="1200" baseline="0" dirty="0">
-                          <a:solidFill>
-                            <a:schemeClr val="dk1"/>
-                          </a:solidFill>
-                          <a:effectLst/>
-                          <a:latin typeface="+mn-lt"/>
-                          <a:ea typeface="+mn-ea"/>
-                          <a:cs typeface="+mn-cs"/>
-                        </a:rPr>
-                        <a:t>Visualize the loans in a dynamic plot </a:t>
-                      </a:r>
-                    </a:p>
-                    <a:p>
-                      <a:pPr marL="285750" marR="0" lvl="0" indent="-285750" algn="l" defTabSz="914400" rtl="0" eaLnBrk="1" fontAlgn="auto" latinLnBrk="0" hangingPunct="1">
-                        <a:lnSpc>
-                          <a:spcPct val="100000"/>
-                        </a:lnSpc>
-                        <a:spcBef>
-                          <a:spcPts val="0"/>
-                        </a:spcBef>
-                        <a:spcAft>
-                          <a:spcPts val="0"/>
-                        </a:spcAft>
-                        <a:buClrTx/>
-                        <a:buSzTx/>
-                        <a:buFont typeface="Arial" panose="020B0604020202020204" pitchFamily="34" charset="0"/>
-                        <a:buChar char="•"/>
-                        <a:tabLst/>
-                        <a:defRPr/>
-                      </a:pPr>
-                      <a:r>
-                        <a:rPr lang="en-US" sz="1400" b="0" i="0" kern="1200" baseline="0" dirty="0">
-                          <a:solidFill>
-                            <a:schemeClr val="dk1"/>
-                          </a:solidFill>
-                          <a:effectLst/>
-                          <a:latin typeface="+mn-lt"/>
-                          <a:ea typeface="+mn-ea"/>
-                          <a:cs typeface="+mn-cs"/>
-                        </a:rPr>
-                        <a:t>Q &amp; A</a:t>
-                      </a:r>
-                    </a:p>
-                    <a:p>
-                      <a:pPr marL="285750" marR="0" lvl="0" indent="-285750" algn="l" defTabSz="914400" rtl="0" eaLnBrk="1" fontAlgn="auto" latinLnBrk="0" hangingPunct="1">
-                        <a:lnSpc>
-                          <a:spcPct val="100000"/>
-                        </a:lnSpc>
-                        <a:spcBef>
-                          <a:spcPts val="0"/>
-                        </a:spcBef>
-                        <a:spcAft>
-                          <a:spcPts val="0"/>
-                        </a:spcAft>
-                        <a:buClrTx/>
-                        <a:buSzTx/>
-                        <a:buFont typeface="Arial" panose="020B0604020202020204" pitchFamily="34" charset="0"/>
-                        <a:buChar char="•"/>
-                        <a:tabLst/>
-                        <a:defRPr/>
-                      </a:pPr>
-                      <a:endParaRPr lang="en-US" sz="1400" b="0" i="0" kern="1200" dirty="0">
-                        <a:solidFill>
-                          <a:schemeClr val="dk1"/>
-                        </a:solidFill>
-                        <a:effectLst/>
-                        <a:latin typeface="+mn-lt"/>
-                        <a:ea typeface="+mn-ea"/>
-                        <a:cs typeface="+mn-cs"/>
-                      </a:endParaRPr>
-                    </a:p>
-                  </a:txBody>
-                  <a:tcPr marL="68580" marR="68580" marT="34290" marB="34290"/>
-                </a:tc>
-                <a:extLst>
-                  <a:ext uri="{0D108BD9-81ED-4DB2-BD59-A6C34878D82A}">
-                    <a16:rowId xmlns:a16="http://schemas.microsoft.com/office/drawing/2014/main" val="10003"/>
-                  </a:ext>
-                </a:extLst>
-              </a:tr>
-            </a:tbl>
-          </a:graphicData>
-        </a:graphic>
-      </p:graphicFrame>
-      <p:sp>
-        <p:nvSpPr>
-          <p:cNvPr id="5" name="Date Placeholder 4"/>
-          <p:cNvSpPr>
-            <a:spLocks noGrp="1"/>
-          </p:cNvSpPr>
-          <p:nvPr>
-            <p:ph type="dt" sz="half" idx="10"/>
-          </p:nvPr>
-        </p:nvSpPr>
-        <p:spPr/>
-        <p:txBody>
-          <a:bodyPr/>
-          <a:lstStyle/>
-          <a:p>
-            <a:fld id="{9B19E99B-5349-415A-8E56-8E989211A366}" type="datetime1">
-              <a:rPr lang="en-US" smtClean="0"/>
-              <a:t>10/29/23</a:t>
-            </a:fld>
-            <a:endParaRPr lang="en-US"/>
-          </a:p>
-        </p:txBody>
-      </p:sp>
-      <p:sp>
-        <p:nvSpPr>
-          <p:cNvPr id="7" name="Footer Placeholder 5">
-            <a:extLst>
-              <a:ext uri="{FF2B5EF4-FFF2-40B4-BE49-F238E27FC236}">
-                <a16:creationId xmlns:a16="http://schemas.microsoft.com/office/drawing/2014/main" id="{98948342-95B8-BA4D-BCAF-186CF394BE67}"/>
-              </a:ext>
-            </a:extLst>
-          </p:cNvPr>
-          <p:cNvSpPr>
-            <a:spLocks noGrp="1"/>
-          </p:cNvSpPr>
-          <p:nvPr>
-            <p:ph type="ftr" sz="quarter" idx="3"/>
-          </p:nvPr>
-        </p:nvSpPr>
-        <p:spPr>
-          <a:xfrm>
-            <a:off x="3028950" y="6356353"/>
-            <a:ext cx="3086100" cy="365125"/>
-          </a:xfrm>
-        </p:spPr>
-        <p:txBody>
-          <a:bodyPr/>
-          <a:lstStyle/>
-          <a:p>
-            <a:r>
-              <a:rPr lang="en-US" dirty="0"/>
-              <a:t>Kwartler CSCI 96</a:t>
-            </a:r>
-          </a:p>
-        </p:txBody>
-      </p:sp>
-    </p:spTree>
-    <p:extLst>
-      <p:ext uri="{BB962C8B-B14F-4D97-AF65-F5344CB8AC3E}">
-        <p14:creationId xmlns:p14="http://schemas.microsoft.com/office/powerpoint/2010/main" val="2747930621"/>
-      </p:ext>
-    </p:extLst>
-  </p:cSld>
-  <p:clrMapOvr>
-    <a:masterClrMapping/>
-  </p:clrMapOvr>
-</p:sld>
-</file>
-
-<file path=ppt/slides/slide12.xml><?xml version="1.0" encoding="utf-8"?>
-<p:sld xmlns:a="http://schemas.openxmlformats.org/drawingml/2006/main" xmlns:r="http://schemas.openxmlformats.org/officeDocument/2006/relationships" xmlns:p="http://schemas.openxmlformats.org/presentationml/2006/main">
-  <p:cSld>
-    <p:spTree>
-      <p:nvGrpSpPr>
-        <p:cNvPr id="1" name=""/>
-        <p:cNvGrpSpPr/>
-        <p:nvPr/>
-      </p:nvGrpSpPr>
-      <p:grpSpPr>
-        <a:xfrm>
-          <a:off x="0" y="0"/>
-          <a:ext cx="0" cy="0"/>
-          <a:chOff x="0" y="0"/>
-          <a:chExt cx="0" cy="0"/>
-        </a:xfrm>
-      </p:grpSpPr>
-      <p:sp>
-        <p:nvSpPr>
           <p:cNvPr id="3" name="Title 2"/>
           <p:cNvSpPr>
             <a:spLocks noGrp="1"/>
@@ -5496,7 +5088,7 @@
           <a:p>
             <a:fld id="{6700A58B-DD98-43D0-B791-721480A02982}" type="datetime1">
               <a:rPr lang="en-US" smtClean="0"/>
-              <a:t>10/29/23</a:t>
+              <a:t>11/6/23</a:t>
             </a:fld>
             <a:endParaRPr lang="en-US"/>
           </a:p>
@@ -5577,7 +5169,7 @@
           <a:p>
             <a:r>
               <a:rPr lang="en-US" dirty="0"/>
-              <a:t>Kwartler CSCI 96</a:t>
+              <a:t>Kwartler </a:t>
             </a:r>
           </a:p>
         </p:txBody>
@@ -5630,7 +5222,7 @@
 </p:sld>
 </file>
 
-<file path=ppt/slides/slide13.xml><?xml version="1.0" encoding="utf-8"?>
+<file path=ppt/slides/slide12.xml><?xml version="1.0" encoding="utf-8"?>
 <p:sld xmlns:a="http://schemas.openxmlformats.org/drawingml/2006/main" xmlns:r="http://schemas.openxmlformats.org/officeDocument/2006/relationships" xmlns:p="http://schemas.openxmlformats.org/presentationml/2006/main">
   <p:cSld>
     <p:spTree>
@@ -5693,7 +5285,7 @@
           <a:p>
             <a:fld id="{6700A58B-DD98-43D0-B791-721480A02982}" type="datetime1">
               <a:rPr lang="en-US" smtClean="0"/>
-              <a:t>10/29/23</a:t>
+              <a:t>11/6/23</a:t>
             </a:fld>
             <a:endParaRPr lang="en-US"/>
           </a:p>
@@ -5823,7 +5415,7 @@
           <a:p>
             <a:r>
               <a:rPr lang="en-US" dirty="0"/>
-              <a:t>Kwartler CSCI 96</a:t>
+              <a:t>Kwartler </a:t>
             </a:r>
           </a:p>
         </p:txBody>
@@ -5841,7 +5433,7 @@
 </p:sld>
 </file>
 
-<file path=ppt/slides/slide14.xml><?xml version="1.0" encoding="utf-8"?>
+<file path=ppt/slides/slide13.xml><?xml version="1.0" encoding="utf-8"?>
 <p:sld xmlns:a="http://schemas.openxmlformats.org/drawingml/2006/main" xmlns:r="http://schemas.openxmlformats.org/officeDocument/2006/relationships" xmlns:p="http://schemas.openxmlformats.org/presentationml/2006/main">
   <p:cSld>
     <p:spTree>
@@ -5881,7 +5473,7 @@
           <a:p>
             <a:fld id="{6700A58B-DD98-43D0-B791-721480A02982}" type="datetime1">
               <a:rPr lang="en-US" smtClean="0"/>
-              <a:t>10/29/23</a:t>
+              <a:t>11/6/23</a:t>
             </a:fld>
             <a:endParaRPr lang="en-US"/>
           </a:p>
@@ -5938,7 +5530,7 @@
           <a:p>
             <a:fld id="{37290FF7-652B-4475-AEAB-8B1A5D23AE09}" type="slidenum">
               <a:rPr lang="en-US" smtClean="0"/>
-              <a:t>14</a:t>
+              <a:t>13</a:t>
             </a:fld>
             <a:endParaRPr lang="en-US"/>
           </a:p>
@@ -5966,10 +5558,9 @@
           <a:lstStyle/>
           <a:p>
             <a:r>
-              <a:rPr lang="en-US"/>
-              <a:t>Kwartler CSCI S-96</a:t>
-            </a:r>
-            <a:endParaRPr lang="en-US" dirty="0"/>
+              <a:rPr lang="en-US" dirty="0"/>
+              <a:t>Kwartler </a:t>
+            </a:r>
           </a:p>
         </p:txBody>
       </p:sp>
@@ -6255,7 +5846,7 @@
           <a:p>
             <a:fld id="{6700A58B-DD98-43D0-B791-721480A02982}" type="datetime1">
               <a:rPr lang="en-US" smtClean="0"/>
-              <a:t>10/29/23</a:t>
+              <a:t>11/6/23</a:t>
             </a:fld>
             <a:endParaRPr lang="en-US"/>
           </a:p>
@@ -6526,7 +6117,7 @@
           <a:p>
             <a:r>
               <a:rPr lang="en-US" dirty="0"/>
-              <a:t>Kwartler CSCI 96</a:t>
+              <a:t>Kwartler </a:t>
             </a:r>
           </a:p>
         </p:txBody>
@@ -6602,7 +6193,7 @@
           <a:p>
             <a:fld id="{6700A58B-DD98-43D0-B791-721480A02982}" type="datetime1">
               <a:rPr lang="en-US" smtClean="0"/>
-              <a:t>10/29/23</a:t>
+              <a:t>11/6/23</a:t>
             </a:fld>
             <a:endParaRPr lang="en-US"/>
           </a:p>
@@ -7106,7 +6697,7 @@
           <a:p>
             <a:r>
               <a:rPr lang="en-US" dirty="0"/>
-              <a:t>Kwartler CSCI 96</a:t>
+              <a:t>Kwartler </a:t>
             </a:r>
           </a:p>
         </p:txBody>
@@ -7400,7 +6991,7 @@
           <a:p>
             <a:fld id="{6700A58B-DD98-43D0-B791-721480A02982}" type="datetime1">
               <a:rPr lang="en-US" smtClean="0"/>
-              <a:t>10/29/23</a:t>
+              <a:t>11/6/23</a:t>
             </a:fld>
             <a:endParaRPr lang="en-US"/>
           </a:p>
@@ -7899,7 +7490,7 @@
           <a:p>
             <a:r>
               <a:rPr lang="en-US" dirty="0"/>
-              <a:t>Kwartler CSCI 96</a:t>
+              <a:t>Kwartler </a:t>
             </a:r>
           </a:p>
         </p:txBody>
@@ -8211,7 +7802,7 @@
           <a:p>
             <a:fld id="{6700A58B-DD98-43D0-B791-721480A02982}" type="datetime1">
               <a:rPr lang="en-US" smtClean="0"/>
-              <a:t>10/29/23</a:t>
+              <a:t>11/6/23</a:t>
             </a:fld>
             <a:endParaRPr lang="en-US"/>
           </a:p>
@@ -8479,7 +8070,7 @@
           <a:p>
             <a:r>
               <a:rPr lang="en-US" dirty="0"/>
-              <a:t>Kwartler CSCI 96</a:t>
+              <a:t>Kwartler </a:t>
             </a:r>
           </a:p>
         </p:txBody>
@@ -8531,7 +8122,7 @@
           <a:p>
             <a:fld id="{6700A58B-DD98-43D0-B791-721480A02982}" type="datetime1">
               <a:rPr lang="en-US" smtClean="0"/>
-              <a:t>10/29/23</a:t>
+              <a:t>11/6/23</a:t>
             </a:fld>
             <a:endParaRPr lang="en-US"/>
           </a:p>
@@ -9355,7 +8946,7 @@
           <a:p>
             <a:r>
               <a:rPr lang="en-US" dirty="0"/>
-              <a:t>Kwartler CSCI 96</a:t>
+              <a:t>Kwartler </a:t>
             </a:r>
           </a:p>
         </p:txBody>
@@ -9677,7 +9268,7 @@
           <a:p>
             <a:fld id="{6700A58B-DD98-43D0-B791-721480A02982}" type="datetime1">
               <a:rPr lang="en-US" smtClean="0"/>
-              <a:t>10/29/23</a:t>
+              <a:t>11/6/23</a:t>
             </a:fld>
             <a:endParaRPr lang="en-US"/>
           </a:p>
@@ -10893,7 +10484,7 @@
           <a:p>
             <a:fld id="{6700A58B-DD98-43D0-B791-721480A02982}" type="datetime1">
               <a:rPr lang="en-US" smtClean="0"/>
-              <a:t>10/29/23</a:t>
+              <a:t>11/6/23</a:t>
             </a:fld>
             <a:endParaRPr lang="en-US"/>
           </a:p>
@@ -10999,7 +10590,7 @@
           <a:p>
             <a:r>
               <a:rPr lang="en-US" dirty="0"/>
-              <a:t>Kwartler CSCI 96</a:t>
+              <a:t>Kwartler </a:t>
             </a:r>
           </a:p>
         </p:txBody>
@@ -11075,7 +10666,7 @@
           <a:p>
             <a:fld id="{6700A58B-DD98-43D0-B791-721480A02982}" type="datetime1">
               <a:rPr lang="en-US" smtClean="0"/>
-              <a:t>10/29/23</a:t>
+              <a:t>11/6/23</a:t>
             </a:fld>
             <a:endParaRPr lang="en-US"/>
           </a:p>
@@ -11209,7 +10800,7 @@
           <a:p>
             <a:r>
               <a:rPr lang="en-US" dirty="0"/>
-              <a:t>Kwartler CSCI 96</a:t>
+              <a:t>Kwartler </a:t>
             </a:r>
           </a:p>
         </p:txBody>
